--- a/assets/ppt/RL_Circuit.pptx
+++ b/assets/ppt/RL_Circuit.pptx
@@ -10,6 +10,7 @@
     <p:sldId id="259" r:id="rId4"/>
     <p:sldId id="260" r:id="rId5"/>
     <p:sldId id="261" r:id="rId6"/>
+    <p:sldId id="262" r:id="rId7"/>
   </p:sldIdLst>
   <p:sldSz cx="12192000" cy="6858000"/>
   <p:notesSz cx="6858000" cy="9144000"/>
@@ -108,6 +109,11 @@
       </a:defRPr>
     </a:lvl9pPr>
   </p:defaultTextStyle>
+  <p:extLst>
+    <p:ext uri="{EFAFB233-063F-42B5-8137-9DF3F51BA10A}">
+      <p15:sldGuideLst xmlns:p15="http://schemas.microsoft.com/office/powerpoint/2012/main"/>
+    </p:ext>
+  </p:extLst>
 </p:presentation>
 </file>
 
@@ -258,7 +264,7 @@
           <a:p>
             <a:fld id="{B0A85343-8D5E-4151-84DC-1CDF6F18C2C0}" type="datetimeFigureOut">
               <a:rPr lang="ko-KR" altLang="en-US" smtClean="0"/>
-              <a:t>2022-02-28</a:t>
+              <a:t>2022-03-01</a:t>
             </a:fld>
             <a:endParaRPr lang="ko-KR" altLang="en-US"/>
           </a:p>
@@ -456,7 +462,7 @@
           <a:p>
             <a:fld id="{B0A85343-8D5E-4151-84DC-1CDF6F18C2C0}" type="datetimeFigureOut">
               <a:rPr lang="ko-KR" altLang="en-US" smtClean="0"/>
-              <a:t>2022-02-28</a:t>
+              <a:t>2022-03-01</a:t>
             </a:fld>
             <a:endParaRPr lang="ko-KR" altLang="en-US"/>
           </a:p>
@@ -664,7 +670,7 @@
           <a:p>
             <a:fld id="{B0A85343-8D5E-4151-84DC-1CDF6F18C2C0}" type="datetimeFigureOut">
               <a:rPr lang="ko-KR" altLang="en-US" smtClean="0"/>
-              <a:t>2022-02-28</a:t>
+              <a:t>2022-03-01</a:t>
             </a:fld>
             <a:endParaRPr lang="ko-KR" altLang="en-US"/>
           </a:p>
@@ -862,7 +868,7 @@
           <a:p>
             <a:fld id="{B0A85343-8D5E-4151-84DC-1CDF6F18C2C0}" type="datetimeFigureOut">
               <a:rPr lang="ko-KR" altLang="en-US" smtClean="0"/>
-              <a:t>2022-02-28</a:t>
+              <a:t>2022-03-01</a:t>
             </a:fld>
             <a:endParaRPr lang="ko-KR" altLang="en-US"/>
           </a:p>
@@ -1137,7 +1143,7 @@
           <a:p>
             <a:fld id="{B0A85343-8D5E-4151-84DC-1CDF6F18C2C0}" type="datetimeFigureOut">
               <a:rPr lang="ko-KR" altLang="en-US" smtClean="0"/>
-              <a:t>2022-02-28</a:t>
+              <a:t>2022-03-01</a:t>
             </a:fld>
             <a:endParaRPr lang="ko-KR" altLang="en-US"/>
           </a:p>
@@ -1402,7 +1408,7 @@
           <a:p>
             <a:fld id="{B0A85343-8D5E-4151-84DC-1CDF6F18C2C0}" type="datetimeFigureOut">
               <a:rPr lang="ko-KR" altLang="en-US" smtClean="0"/>
-              <a:t>2022-02-28</a:t>
+              <a:t>2022-03-01</a:t>
             </a:fld>
             <a:endParaRPr lang="ko-KR" altLang="en-US"/>
           </a:p>
@@ -1814,7 +1820,7 @@
           <a:p>
             <a:fld id="{B0A85343-8D5E-4151-84DC-1CDF6F18C2C0}" type="datetimeFigureOut">
               <a:rPr lang="ko-KR" altLang="en-US" smtClean="0"/>
-              <a:t>2022-02-28</a:t>
+              <a:t>2022-03-01</a:t>
             </a:fld>
             <a:endParaRPr lang="ko-KR" altLang="en-US"/>
           </a:p>
@@ -1955,7 +1961,7 @@
           <a:p>
             <a:fld id="{B0A85343-8D5E-4151-84DC-1CDF6F18C2C0}" type="datetimeFigureOut">
               <a:rPr lang="ko-KR" altLang="en-US" smtClean="0"/>
-              <a:t>2022-02-28</a:t>
+              <a:t>2022-03-01</a:t>
             </a:fld>
             <a:endParaRPr lang="ko-KR" altLang="en-US"/>
           </a:p>
@@ -2068,7 +2074,7 @@
           <a:p>
             <a:fld id="{B0A85343-8D5E-4151-84DC-1CDF6F18C2C0}" type="datetimeFigureOut">
               <a:rPr lang="ko-KR" altLang="en-US" smtClean="0"/>
-              <a:t>2022-02-28</a:t>
+              <a:t>2022-03-01</a:t>
             </a:fld>
             <a:endParaRPr lang="ko-KR" altLang="en-US"/>
           </a:p>
@@ -2379,7 +2385,7 @@
           <a:p>
             <a:fld id="{B0A85343-8D5E-4151-84DC-1CDF6F18C2C0}" type="datetimeFigureOut">
               <a:rPr lang="ko-KR" altLang="en-US" smtClean="0"/>
-              <a:t>2022-02-28</a:t>
+              <a:t>2022-03-01</a:t>
             </a:fld>
             <a:endParaRPr lang="ko-KR" altLang="en-US"/>
           </a:p>
@@ -2667,7 +2673,7 @@
           <a:p>
             <a:fld id="{B0A85343-8D5E-4151-84DC-1CDF6F18C2C0}" type="datetimeFigureOut">
               <a:rPr lang="ko-KR" altLang="en-US" smtClean="0"/>
-              <a:t>2022-02-28</a:t>
+              <a:t>2022-03-01</a:t>
             </a:fld>
             <a:endParaRPr lang="ko-KR" altLang="en-US"/>
           </a:p>
@@ -2908,7 +2914,7 @@
           <a:p>
             <a:fld id="{B0A85343-8D5E-4151-84DC-1CDF6F18C2C0}" type="datetimeFigureOut">
               <a:rPr lang="ko-KR" altLang="en-US" smtClean="0"/>
-              <a:t>2022-02-28</a:t>
+              <a:t>2022-03-01</a:t>
             </a:fld>
             <a:endParaRPr lang="ko-KR" altLang="en-US"/>
           </a:p>
@@ -3706,6 +3712,429 @@
 </p:sld>
 </file>
 
+<file path=ppt/slides/slide6.xml><?xml version="1.0" encoding="utf-8"?>
+<p:sld xmlns:a="http://schemas.openxmlformats.org/drawingml/2006/main" xmlns:r="http://schemas.openxmlformats.org/officeDocument/2006/relationships" xmlns:p="http://schemas.openxmlformats.org/presentationml/2006/main">
+  <p:cSld>
+    <p:spTree>
+      <p:nvGrpSpPr>
+        <p:cNvPr id="1" name=""/>
+        <p:cNvGrpSpPr/>
+        <p:nvPr/>
+      </p:nvGrpSpPr>
+      <p:grpSpPr>
+        <a:xfrm>
+          <a:off x="0" y="0"/>
+          <a:ext cx="0" cy="0"/>
+          <a:chOff x="0" y="0"/>
+          <a:chExt cx="0" cy="0"/>
+        </a:xfrm>
+      </p:grpSpPr>
+      <p:pic>
+        <p:nvPicPr>
+          <p:cNvPr id="7" name="그림 6">
+            <a:extLst>
+              <a:ext uri="{FF2B5EF4-FFF2-40B4-BE49-F238E27FC236}">
+                <a16:creationId xmlns:a16="http://schemas.microsoft.com/office/drawing/2014/main" id="{4CB9CD57-AE31-498C-9EBD-10C7842A783A}"/>
+              </a:ext>
+            </a:extLst>
+          </p:cNvPr>
+          <p:cNvPicPr>
+            <a:picLocks noChangeAspect="1"/>
+          </p:cNvPicPr>
+          <p:nvPr/>
+        </p:nvPicPr>
+        <p:blipFill>
+          <a:blip r:embed="rId2"/>
+          <a:stretch>
+            <a:fillRect/>
+          </a:stretch>
+        </p:blipFill>
+        <p:spPr>
+          <a:xfrm>
+            <a:off x="1018838" y="1681280"/>
+            <a:ext cx="2709645" cy="1747720"/>
+          </a:xfrm>
+          <a:prstGeom prst="rect">
+            <a:avLst/>
+          </a:prstGeom>
+        </p:spPr>
+      </p:pic>
+      <p:grpSp>
+        <p:nvGrpSpPr>
+          <p:cNvPr id="19" name="그룹 18">
+            <a:extLst>
+              <a:ext uri="{FF2B5EF4-FFF2-40B4-BE49-F238E27FC236}">
+                <a16:creationId xmlns:a16="http://schemas.microsoft.com/office/drawing/2014/main" id="{A07D229B-28F6-4543-BDC8-A450E5F2F495}"/>
+              </a:ext>
+            </a:extLst>
+          </p:cNvPr>
+          <p:cNvGrpSpPr/>
+          <p:nvPr/>
+        </p:nvGrpSpPr>
+        <p:grpSpPr>
+          <a:xfrm>
+            <a:off x="4803340" y="1088745"/>
+            <a:ext cx="5478796" cy="4492784"/>
+            <a:chOff x="4803340" y="1088745"/>
+            <a:chExt cx="5478796" cy="4492784"/>
+          </a:xfrm>
+        </p:grpSpPr>
+        <p:pic>
+          <p:nvPicPr>
+            <p:cNvPr id="9" name="그림 8">
+              <a:extLst>
+                <a:ext uri="{FF2B5EF4-FFF2-40B4-BE49-F238E27FC236}">
+                  <a16:creationId xmlns:a16="http://schemas.microsoft.com/office/drawing/2014/main" id="{43C3090F-631A-431C-B7D4-5E926A63FA34}"/>
+                </a:ext>
+              </a:extLst>
+            </p:cNvPr>
+            <p:cNvPicPr>
+              <a:picLocks noChangeAspect="1"/>
+            </p:cNvPicPr>
+            <p:nvPr/>
+          </p:nvPicPr>
+          <p:blipFill>
+            <a:blip r:embed="rId3"/>
+            <a:stretch>
+              <a:fillRect/>
+            </a:stretch>
+          </p:blipFill>
+          <p:spPr>
+            <a:xfrm>
+              <a:off x="4803340" y="1088745"/>
+              <a:ext cx="5478796" cy="4492784"/>
+            </a:xfrm>
+            <a:prstGeom prst="rect">
+              <a:avLst/>
+            </a:prstGeom>
+          </p:spPr>
+        </p:pic>
+        <p:sp>
+          <p:nvSpPr>
+            <p:cNvPr id="13" name="이등변 삼각형 12">
+              <a:extLst>
+                <a:ext uri="{FF2B5EF4-FFF2-40B4-BE49-F238E27FC236}">
+                  <a16:creationId xmlns:a16="http://schemas.microsoft.com/office/drawing/2014/main" id="{F456125B-EB25-418C-9F5D-905B31706CEB}"/>
+                </a:ext>
+              </a:extLst>
+            </p:cNvPr>
+            <p:cNvSpPr/>
+            <p:nvPr/>
+          </p:nvSpPr>
+          <p:spPr>
+            <a:xfrm rot="14647252" flipH="1">
+              <a:off x="7922692" y="1669456"/>
+              <a:ext cx="140272" cy="120924"/>
+            </a:xfrm>
+            <a:prstGeom prst="triangle">
+              <a:avLst/>
+            </a:prstGeom>
+            <a:solidFill>
+              <a:srgbClr val="FF0000"/>
+            </a:solidFill>
+            <a:ln>
+              <a:noFill/>
+            </a:ln>
+          </p:spPr>
+          <p:style>
+            <a:lnRef idx="2">
+              <a:schemeClr val="accent1">
+                <a:shade val="50000"/>
+              </a:schemeClr>
+            </a:lnRef>
+            <a:fillRef idx="1">
+              <a:schemeClr val="accent1"/>
+            </a:fillRef>
+            <a:effectRef idx="0">
+              <a:schemeClr val="accent1"/>
+            </a:effectRef>
+            <a:fontRef idx="minor">
+              <a:schemeClr val="lt1"/>
+            </a:fontRef>
+          </p:style>
+          <p:txBody>
+            <a:bodyPr rtlCol="0" anchor="ctr"/>
+            <a:lstStyle/>
+            <a:p>
+              <a:pPr algn="ctr"/>
+              <a:endParaRPr lang="ko-KR" altLang="en-US"/>
+            </a:p>
+          </p:txBody>
+        </p:sp>
+        <p:sp>
+          <p:nvSpPr>
+            <p:cNvPr id="14" name="이등변 삼각형 13">
+              <a:extLst>
+                <a:ext uri="{FF2B5EF4-FFF2-40B4-BE49-F238E27FC236}">
+                  <a16:creationId xmlns:a16="http://schemas.microsoft.com/office/drawing/2014/main" id="{2C35E879-C838-4B3F-85CB-39C485CFBCD6}"/>
+                </a:ext>
+              </a:extLst>
+            </p:cNvPr>
+            <p:cNvSpPr/>
+            <p:nvPr/>
+          </p:nvSpPr>
+          <p:spPr>
+            <a:xfrm rot="12443085" flipH="1">
+              <a:off x="7309849" y="2253117"/>
+              <a:ext cx="140272" cy="120924"/>
+            </a:xfrm>
+            <a:prstGeom prst="triangle">
+              <a:avLst/>
+            </a:prstGeom>
+            <a:solidFill>
+              <a:srgbClr val="FF0000"/>
+            </a:solidFill>
+            <a:ln>
+              <a:noFill/>
+            </a:ln>
+          </p:spPr>
+          <p:style>
+            <a:lnRef idx="2">
+              <a:schemeClr val="accent1">
+                <a:shade val="50000"/>
+              </a:schemeClr>
+            </a:lnRef>
+            <a:fillRef idx="1">
+              <a:schemeClr val="accent1"/>
+            </a:fillRef>
+            <a:effectRef idx="0">
+              <a:schemeClr val="accent1"/>
+            </a:effectRef>
+            <a:fontRef idx="minor">
+              <a:schemeClr val="lt1"/>
+            </a:fontRef>
+          </p:style>
+          <p:txBody>
+            <a:bodyPr rtlCol="0" anchor="ctr"/>
+            <a:lstStyle/>
+            <a:p>
+              <a:pPr algn="ctr"/>
+              <a:endParaRPr lang="ko-KR" altLang="en-US"/>
+            </a:p>
+          </p:txBody>
+        </p:sp>
+        <p:sp>
+          <p:nvSpPr>
+            <p:cNvPr id="15" name="이등변 삼각형 14">
+              <a:extLst>
+                <a:ext uri="{FF2B5EF4-FFF2-40B4-BE49-F238E27FC236}">
+                  <a16:creationId xmlns:a16="http://schemas.microsoft.com/office/drawing/2014/main" id="{6CFD3EC5-F046-4B9D-B17C-93D685847C61}"/>
+                </a:ext>
+              </a:extLst>
+            </p:cNvPr>
+            <p:cNvSpPr/>
+            <p:nvPr/>
+          </p:nvSpPr>
+          <p:spPr>
+            <a:xfrm rot="12443085" flipH="1">
+              <a:off x="6940199" y="3469075"/>
+              <a:ext cx="140272" cy="120924"/>
+            </a:xfrm>
+            <a:prstGeom prst="triangle">
+              <a:avLst/>
+            </a:prstGeom>
+            <a:solidFill>
+              <a:srgbClr val="FF0000"/>
+            </a:solidFill>
+            <a:ln>
+              <a:noFill/>
+            </a:ln>
+          </p:spPr>
+          <p:style>
+            <a:lnRef idx="2">
+              <a:schemeClr val="accent1">
+                <a:shade val="50000"/>
+              </a:schemeClr>
+            </a:lnRef>
+            <a:fillRef idx="1">
+              <a:schemeClr val="accent1"/>
+            </a:fillRef>
+            <a:effectRef idx="0">
+              <a:schemeClr val="accent1"/>
+            </a:effectRef>
+            <a:fontRef idx="minor">
+              <a:schemeClr val="lt1"/>
+            </a:fontRef>
+          </p:style>
+          <p:txBody>
+            <a:bodyPr rtlCol="0" anchor="ctr"/>
+            <a:lstStyle/>
+            <a:p>
+              <a:pPr algn="ctr"/>
+              <a:endParaRPr lang="ko-KR" altLang="en-US"/>
+            </a:p>
+          </p:txBody>
+        </p:sp>
+        <p:sp>
+          <p:nvSpPr>
+            <p:cNvPr id="16" name="이등변 삼각형 15">
+              <a:extLst>
+                <a:ext uri="{FF2B5EF4-FFF2-40B4-BE49-F238E27FC236}">
+                  <a16:creationId xmlns:a16="http://schemas.microsoft.com/office/drawing/2014/main" id="{8320D299-414E-4F9F-96E8-5E9D70E6D322}"/>
+                </a:ext>
+              </a:extLst>
+            </p:cNvPr>
+            <p:cNvSpPr/>
+            <p:nvPr/>
+          </p:nvSpPr>
+          <p:spPr>
+            <a:xfrm rot="11550703" flipH="1">
+              <a:off x="6940198" y="4043007"/>
+              <a:ext cx="140272" cy="120924"/>
+            </a:xfrm>
+            <a:prstGeom prst="triangle">
+              <a:avLst/>
+            </a:prstGeom>
+            <a:solidFill>
+              <a:srgbClr val="FF0000"/>
+            </a:solidFill>
+            <a:ln>
+              <a:noFill/>
+            </a:ln>
+          </p:spPr>
+          <p:style>
+            <a:lnRef idx="2">
+              <a:schemeClr val="accent1">
+                <a:shade val="50000"/>
+              </a:schemeClr>
+            </a:lnRef>
+            <a:fillRef idx="1">
+              <a:schemeClr val="accent1"/>
+            </a:fillRef>
+            <a:effectRef idx="0">
+              <a:schemeClr val="accent1"/>
+            </a:effectRef>
+            <a:fontRef idx="minor">
+              <a:schemeClr val="lt1"/>
+            </a:fontRef>
+          </p:style>
+          <p:txBody>
+            <a:bodyPr rtlCol="0" anchor="ctr"/>
+            <a:lstStyle/>
+            <a:p>
+              <a:pPr algn="ctr"/>
+              <a:endParaRPr lang="ko-KR" altLang="en-US"/>
+            </a:p>
+          </p:txBody>
+        </p:sp>
+        <p:sp>
+          <p:nvSpPr>
+            <p:cNvPr id="17" name="이등변 삼각형 16">
+              <a:extLst>
+                <a:ext uri="{FF2B5EF4-FFF2-40B4-BE49-F238E27FC236}">
+                  <a16:creationId xmlns:a16="http://schemas.microsoft.com/office/drawing/2014/main" id="{E0563DC2-A8A4-4C62-8A8B-86A95958B5E0}"/>
+                </a:ext>
+              </a:extLst>
+            </p:cNvPr>
+            <p:cNvSpPr/>
+            <p:nvPr/>
+          </p:nvSpPr>
+          <p:spPr>
+            <a:xfrm rot="8592756" flipH="1">
+              <a:off x="7728139" y="3478802"/>
+              <a:ext cx="140272" cy="120924"/>
+            </a:xfrm>
+            <a:prstGeom prst="triangle">
+              <a:avLst/>
+            </a:prstGeom>
+            <a:solidFill>
+              <a:srgbClr val="FF0000"/>
+            </a:solidFill>
+            <a:ln>
+              <a:noFill/>
+            </a:ln>
+          </p:spPr>
+          <p:style>
+            <a:lnRef idx="2">
+              <a:schemeClr val="accent1">
+                <a:shade val="50000"/>
+              </a:schemeClr>
+            </a:lnRef>
+            <a:fillRef idx="1">
+              <a:schemeClr val="accent1"/>
+            </a:fillRef>
+            <a:effectRef idx="0">
+              <a:schemeClr val="accent1"/>
+            </a:effectRef>
+            <a:fontRef idx="minor">
+              <a:schemeClr val="lt1"/>
+            </a:fontRef>
+          </p:style>
+          <p:txBody>
+            <a:bodyPr rtlCol="0" anchor="ctr"/>
+            <a:lstStyle/>
+            <a:p>
+              <a:pPr algn="ctr"/>
+              <a:endParaRPr lang="ko-KR" altLang="en-US"/>
+            </a:p>
+          </p:txBody>
+        </p:sp>
+        <p:sp>
+          <p:nvSpPr>
+            <p:cNvPr id="18" name="이등변 삼각형 17">
+              <a:extLst>
+                <a:ext uri="{FF2B5EF4-FFF2-40B4-BE49-F238E27FC236}">
+                  <a16:creationId xmlns:a16="http://schemas.microsoft.com/office/drawing/2014/main" id="{25188601-5294-423C-94D8-003FB72D6B1E}"/>
+                </a:ext>
+              </a:extLst>
+            </p:cNvPr>
+            <p:cNvSpPr/>
+            <p:nvPr/>
+          </p:nvSpPr>
+          <p:spPr>
+            <a:xfrm rot="8592756" flipH="1">
+              <a:off x="8029697" y="2272572"/>
+              <a:ext cx="140272" cy="120924"/>
+            </a:xfrm>
+            <a:prstGeom prst="triangle">
+              <a:avLst/>
+            </a:prstGeom>
+            <a:solidFill>
+              <a:srgbClr val="FF0000"/>
+            </a:solidFill>
+            <a:ln>
+              <a:noFill/>
+            </a:ln>
+          </p:spPr>
+          <p:style>
+            <a:lnRef idx="2">
+              <a:schemeClr val="accent1">
+                <a:shade val="50000"/>
+              </a:schemeClr>
+            </a:lnRef>
+            <a:fillRef idx="1">
+              <a:schemeClr val="accent1"/>
+            </a:fillRef>
+            <a:effectRef idx="0">
+              <a:schemeClr val="accent1"/>
+            </a:effectRef>
+            <a:fontRef idx="minor">
+              <a:schemeClr val="lt1"/>
+            </a:fontRef>
+          </p:style>
+          <p:txBody>
+            <a:bodyPr rtlCol="0" anchor="ctr"/>
+            <a:lstStyle/>
+            <a:p>
+              <a:pPr algn="ctr"/>
+              <a:endParaRPr lang="ko-KR" altLang="en-US"/>
+            </a:p>
+          </p:txBody>
+        </p:sp>
+      </p:grpSp>
+    </p:spTree>
+    <p:extLst>
+      <p:ext uri="{BB962C8B-B14F-4D97-AF65-F5344CB8AC3E}">
+        <p14:creationId xmlns:p14="http://schemas.microsoft.com/office/powerpoint/2010/main" val="1484411588"/>
+      </p:ext>
+    </p:extLst>
+  </p:cSld>
+  <p:clrMapOvr>
+    <a:masterClrMapping/>
+  </p:clrMapOvr>
+</p:sld>
+</file>
+
 <file path=ppt/theme/theme1.xml><?xml version="1.0" encoding="utf-8"?>
 <a:theme xmlns:a="http://schemas.openxmlformats.org/drawingml/2006/main" name="Office 테마">
   <a:themeElements>

--- a/assets/ppt/RL_Circuit.pptx
+++ b/assets/ppt/RL_Circuit.pptx
@@ -11,6 +11,7 @@
     <p:sldId id="260" r:id="rId5"/>
     <p:sldId id="261" r:id="rId6"/>
     <p:sldId id="262" r:id="rId7"/>
+    <p:sldId id="263" r:id="rId8"/>
   </p:sldIdLst>
   <p:sldSz cx="12192000" cy="6858000"/>
   <p:notesSz cx="6858000" cy="9144000"/>
@@ -4135,6 +4136,130 @@
 </p:sld>
 </file>
 
+<file path=ppt/slides/slide7.xml><?xml version="1.0" encoding="utf-8"?>
+<p:sld xmlns:a="http://schemas.openxmlformats.org/drawingml/2006/main" xmlns:r="http://schemas.openxmlformats.org/officeDocument/2006/relationships" xmlns:p="http://schemas.openxmlformats.org/presentationml/2006/main">
+  <p:cSld>
+    <p:spTree>
+      <p:nvGrpSpPr>
+        <p:cNvPr id="1" name=""/>
+        <p:cNvGrpSpPr/>
+        <p:nvPr/>
+      </p:nvGrpSpPr>
+      <p:grpSpPr>
+        <a:xfrm>
+          <a:off x="0" y="0"/>
+          <a:ext cx="0" cy="0"/>
+          <a:chOff x="0" y="0"/>
+          <a:chExt cx="0" cy="0"/>
+        </a:xfrm>
+      </p:grpSpPr>
+      <p:pic>
+        <p:nvPicPr>
+          <p:cNvPr id="1026" name="Picture 2">
+            <a:extLst>
+              <a:ext uri="{FF2B5EF4-FFF2-40B4-BE49-F238E27FC236}">
+                <a16:creationId xmlns:a16="http://schemas.microsoft.com/office/drawing/2014/main" id="{2D5BACFE-FF4E-4A21-BF4A-FC2A02C244FA}"/>
+              </a:ext>
+            </a:extLst>
+          </p:cNvPr>
+          <p:cNvPicPr>
+            <a:picLocks noChangeAspect="1" noChangeArrowheads="1"/>
+          </p:cNvPicPr>
+          <p:nvPr/>
+        </p:nvPicPr>
+        <p:blipFill>
+          <a:blip r:embed="rId2">
+            <a:extLst>
+              <a:ext uri="{28A0092B-C50C-407E-A947-70E740481C1C}">
+                <a14:useLocalDpi xmlns:a14="http://schemas.microsoft.com/office/drawing/2010/main" val="0"/>
+              </a:ext>
+            </a:extLst>
+          </a:blip>
+          <a:srcRect/>
+          <a:stretch>
+            <a:fillRect/>
+          </a:stretch>
+        </p:blipFill>
+        <p:spPr bwMode="auto">
+          <a:xfrm>
+            <a:off x="0" y="0"/>
+            <a:ext cx="8684513" cy="3563093"/>
+          </a:xfrm>
+          <a:prstGeom prst="rect">
+            <a:avLst/>
+          </a:prstGeom>
+          <a:noFill/>
+          <a:extLst>
+            <a:ext uri="{909E8E84-426E-40DD-AFC4-6F175D3DCCD1}">
+              <a14:hiddenFill xmlns:a14="http://schemas.microsoft.com/office/drawing/2010/main">
+                <a:solidFill>
+                  <a:srgbClr val="FFFFFF"/>
+                </a:solidFill>
+              </a14:hiddenFill>
+            </a:ext>
+          </a:extLst>
+        </p:spPr>
+      </p:pic>
+      <p:pic>
+        <p:nvPicPr>
+          <p:cNvPr id="1028" name="Picture 4" descr="Saturation (magnetic) - Wikiwand">
+            <a:extLst>
+              <a:ext uri="{FF2B5EF4-FFF2-40B4-BE49-F238E27FC236}">
+                <a16:creationId xmlns:a16="http://schemas.microsoft.com/office/drawing/2014/main" id="{E0F3D450-B6D5-4A01-BB4C-F8F57B6CC5EC}"/>
+              </a:ext>
+            </a:extLst>
+          </p:cNvPr>
+          <p:cNvPicPr>
+            <a:picLocks noChangeAspect="1" noChangeArrowheads="1"/>
+          </p:cNvPicPr>
+          <p:nvPr/>
+        </p:nvPicPr>
+        <p:blipFill>
+          <a:blip r:embed="rId3">
+            <a:extLst>
+              <a:ext uri="{28A0092B-C50C-407E-A947-70E740481C1C}">
+                <a14:useLocalDpi xmlns:a14="http://schemas.microsoft.com/office/drawing/2010/main" val="0"/>
+              </a:ext>
+            </a:extLst>
+          </a:blip>
+          <a:srcRect/>
+          <a:stretch>
+            <a:fillRect/>
+          </a:stretch>
+        </p:blipFill>
+        <p:spPr bwMode="auto">
+          <a:xfrm>
+            <a:off x="7911234" y="3629025"/>
+            <a:ext cx="4191000" cy="3228975"/>
+          </a:xfrm>
+          <a:prstGeom prst="rect">
+            <a:avLst/>
+          </a:prstGeom>
+          <a:noFill/>
+          <a:extLst>
+            <a:ext uri="{909E8E84-426E-40DD-AFC4-6F175D3DCCD1}">
+              <a14:hiddenFill xmlns:a14="http://schemas.microsoft.com/office/drawing/2010/main">
+                <a:solidFill>
+                  <a:srgbClr val="FFFFFF"/>
+                </a:solidFill>
+              </a14:hiddenFill>
+            </a:ext>
+          </a:extLst>
+        </p:spPr>
+      </p:pic>
+    </p:spTree>
+    <p:extLst>
+      <p:ext uri="{BB962C8B-B14F-4D97-AF65-F5344CB8AC3E}">
+        <p14:creationId xmlns:p14="http://schemas.microsoft.com/office/powerpoint/2010/main" val="3919325288"/>
+      </p:ext>
+    </p:extLst>
+  </p:cSld>
+  <p:clrMapOvr>
+    <a:masterClrMapping/>
+  </p:clrMapOvr>
+</p:sld>
+</file>
+
 <file path=ppt/theme/theme1.xml><?xml version="1.0" encoding="utf-8"?>
 <a:theme xmlns:a="http://schemas.openxmlformats.org/drawingml/2006/main" name="Office 테마">
   <a:themeElements>
